--- a/Session06/03. Advanced Http Interceptor.pptx
+++ b/Session06/03. Advanced Http Interceptor.pptx
@@ -5,12 +5,18 @@
     <p:sldMasterId id="2147483648" r:id="rId1"/>
   </p:sldMasterIdLst>
   <p:notesMasterIdLst>
-    <p:notesMasterId r:id="rId5"/>
+    <p:notesMasterId r:id="rId11"/>
   </p:notesMasterIdLst>
   <p:sldIdLst>
     <p:sldId id="256" r:id="rId2"/>
     <p:sldId id="257" r:id="rId3"/>
-    <p:sldId id="264" r:id="rId4"/>
+    <p:sldId id="265" r:id="rId4"/>
+    <p:sldId id="266" r:id="rId5"/>
+    <p:sldId id="267" r:id="rId6"/>
+    <p:sldId id="268" r:id="rId7"/>
+    <p:sldId id="269" r:id="rId8"/>
+    <p:sldId id="270" r:id="rId9"/>
+    <p:sldId id="264" r:id="rId10"/>
   </p:sldIdLst>
   <p:sldSz cx="12192000" cy="6858000"/>
   <p:notesSz cx="6858000" cy="9144000"/>
@@ -5027,11 +5033,6 @@
               </a:rPr>
               <a:t>Advanced Http Interceptor</a:t>
             </a:r>
-            <a:endParaRPr lang="en-US" sz="4800">
-              <a:solidFill>
-                <a:srgbClr val="FFFF00"/>
-              </a:solidFill>
-            </a:endParaRPr>
           </a:p>
         </p:txBody>
       </p:sp>
@@ -5175,7 +5176,7 @@
           <a:p>
             <a:r>
               <a:rPr lang="en-US" smtClean="0"/>
-              <a:t>Http Interceptor</a:t>
+              <a:t>Tổng quan</a:t>
             </a:r>
             <a:endParaRPr lang="en-US"/>
           </a:p>
@@ -5193,8 +5194,8 @@
         </p:nvSpPr>
         <p:spPr>
           <a:xfrm>
-            <a:off x="2773598" y="2052116"/>
-            <a:ext cx="8432283" cy="4805884"/>
+            <a:off x="1667436" y="2052116"/>
+            <a:ext cx="9538446" cy="4805884"/>
           </a:xfrm>
         </p:spPr>
         <p:txBody>
@@ -5202,6 +5203,21 @@
           <a:lstStyle/>
           <a:p>
             <a:pPr lvl="1"/>
+            <a:r>
+              <a:rPr lang="en-US" smtClean="0"/>
+              <a:t>HttpClient Service được sử dụng để giao tiếp với API Backend</a:t>
+            </a:r>
+          </a:p>
+          <a:p>
+            <a:pPr lvl="1"/>
+            <a:r>
+              <a:rPr lang="en-US"/>
+              <a:t>HTTP </a:t>
+            </a:r>
+            <a:r>
+              <a:rPr lang="en-US" smtClean="0"/>
+              <a:t>interceptor là cơ chế đánh chặn trước hoặc sau sự thực thi của các lời gọi HTTP Request từ HttpClient</a:t>
+            </a:r>
             <a:endParaRPr lang="en-US" smtClean="0"/>
           </a:p>
         </p:txBody>
@@ -5260,6 +5276,915 @@
           <a:p>
             <a:r>
               <a:rPr lang="en-US" smtClean="0"/>
+              <a:t>Tổng quan</a:t>
+            </a:r>
+            <a:endParaRPr lang="en-US"/>
+          </a:p>
+        </p:txBody>
+      </p:sp>
+      <p:sp>
+        <p:nvSpPr>
+          <p:cNvPr id="3" name="Content Placeholder 2"/>
+          <p:cNvSpPr>
+            <a:spLocks noGrp="1"/>
+          </p:cNvSpPr>
+          <p:nvPr>
+            <p:ph idx="1"/>
+          </p:nvPr>
+        </p:nvSpPr>
+        <p:spPr>
+          <a:xfrm>
+            <a:off x="1667436" y="2052116"/>
+            <a:ext cx="9538446" cy="4805884"/>
+          </a:xfrm>
+        </p:spPr>
+        <p:txBody>
+          <a:bodyPr/>
+          <a:lstStyle/>
+          <a:p>
+            <a:pPr lvl="1"/>
+            <a:r>
+              <a:rPr lang="en-US" smtClean="0"/>
+              <a:t>Các tình huống cần sử dụng Interceptor?</a:t>
+            </a:r>
+          </a:p>
+          <a:p>
+            <a:pPr lvl="2"/>
+            <a:r>
+              <a:rPr lang="en-US" smtClean="0"/>
+              <a:t>Thiết lập các thông số cố định như: Header, Body, …</a:t>
+            </a:r>
+          </a:p>
+          <a:p>
+            <a:pPr lvl="2"/>
+            <a:r>
+              <a:rPr lang="en-US" smtClean="0"/>
+              <a:t>Điều khiển các request trước khi gửi tới Server</a:t>
+            </a:r>
+          </a:p>
+          <a:p>
+            <a:pPr lvl="2"/>
+            <a:r>
+              <a:rPr lang="en-US" smtClean="0"/>
+              <a:t>Xử lý các phản hồi từ máy chủ trước khi thông báo thực hiện xong</a:t>
+            </a:r>
+          </a:p>
+          <a:p>
+            <a:pPr lvl="2"/>
+            <a:r>
+              <a:rPr lang="en-US" smtClean="0"/>
+              <a:t>Xử lý các lỗi: 404, 401, 403, …</a:t>
+            </a:r>
+            <a:endParaRPr lang="en-US" smtClean="0"/>
+          </a:p>
+        </p:txBody>
+      </p:sp>
+    </p:spTree>
+    <p:extLst>
+      <p:ext uri="{BB962C8B-B14F-4D97-AF65-F5344CB8AC3E}">
+        <p14:creationId xmlns:p14="http://schemas.microsoft.com/office/powerpoint/2010/main" val="1239915101"/>
+      </p:ext>
+    </p:extLst>
+  </p:cSld>
+  <p:clrMapOvr>
+    <a:masterClrMapping/>
+  </p:clrMapOvr>
+  <p:timing>
+    <p:tnLst>
+      <p:par>
+        <p:cTn id="1" dur="indefinite" restart="never" nodeType="tmRoot"/>
+      </p:par>
+    </p:tnLst>
+  </p:timing>
+</p:sld>
+</file>
+
+<file path=ppt/slides/slide4.xml><?xml version="1.0" encoding="utf-8"?>
+<p:sld xmlns:a="http://schemas.openxmlformats.org/drawingml/2006/main" xmlns:r="http://schemas.openxmlformats.org/officeDocument/2006/relationships" xmlns:p="http://schemas.openxmlformats.org/presentationml/2006/main">
+  <p:cSld>
+    <p:spTree>
+      <p:nvGrpSpPr>
+        <p:cNvPr id="1" name=""/>
+        <p:cNvGrpSpPr/>
+        <p:nvPr/>
+      </p:nvGrpSpPr>
+      <p:grpSpPr>
+        <a:xfrm>
+          <a:off x="0" y="0"/>
+          <a:ext cx="0" cy="0"/>
+          <a:chOff x="0" y="0"/>
+          <a:chExt cx="0" cy="0"/>
+        </a:xfrm>
+      </p:grpSpPr>
+      <p:sp>
+        <p:nvSpPr>
+          <p:cNvPr id="2" name="Title 1"/>
+          <p:cNvSpPr>
+            <a:spLocks noGrp="1"/>
+          </p:cNvSpPr>
+          <p:nvPr>
+            <p:ph type="title"/>
+          </p:nvPr>
+        </p:nvSpPr>
+        <p:spPr/>
+        <p:txBody>
+          <a:bodyPr/>
+          <a:lstStyle/>
+          <a:p>
+            <a:r>
+              <a:rPr lang="en-US" smtClean="0"/>
+              <a:t>Xem xét một tình huống</a:t>
+            </a:r>
+            <a:endParaRPr lang="en-US"/>
+          </a:p>
+        </p:txBody>
+      </p:sp>
+      <p:sp>
+        <p:nvSpPr>
+          <p:cNvPr id="3" name="Content Placeholder 2"/>
+          <p:cNvSpPr>
+            <a:spLocks noGrp="1"/>
+          </p:cNvSpPr>
+          <p:nvPr>
+            <p:ph idx="1"/>
+          </p:nvPr>
+        </p:nvSpPr>
+        <p:spPr/>
+        <p:txBody>
+          <a:bodyPr/>
+          <a:lstStyle/>
+          <a:p>
+            <a:endParaRPr lang="en-US"/>
+          </a:p>
+        </p:txBody>
+      </p:sp>
+      <p:pic>
+        <p:nvPicPr>
+          <p:cNvPr id="1026" name="Picture 2" descr="https://images.viblo.asia/06341340-416e-453e-8d0d-c13d137c4384.png"/>
+          <p:cNvPicPr>
+            <a:picLocks noChangeAspect="1" noChangeArrowheads="1"/>
+          </p:cNvPicPr>
+          <p:nvPr/>
+        </p:nvPicPr>
+        <p:blipFill>
+          <a:blip r:embed="rId2">
+            <a:extLst>
+              <a:ext uri="{28A0092B-C50C-407E-A947-70E740481C1C}">
+                <a14:useLocalDpi xmlns:a14="http://schemas.microsoft.com/office/drawing/2010/main" val="0"/>
+              </a:ext>
+            </a:extLst>
+          </a:blip>
+          <a:srcRect/>
+          <a:stretch>
+            <a:fillRect/>
+          </a:stretch>
+        </p:blipFill>
+        <p:spPr bwMode="auto">
+          <a:xfrm>
+            <a:off x="1320986" y="2205319"/>
+            <a:ext cx="10354860" cy="4167356"/>
+          </a:xfrm>
+          <a:prstGeom prst="rect">
+            <a:avLst/>
+          </a:prstGeom>
+          <a:noFill/>
+          <a:extLst>
+            <a:ext uri="{909E8E84-426E-40DD-AFC4-6F175D3DCCD1}">
+              <a14:hiddenFill xmlns:a14="http://schemas.microsoft.com/office/drawing/2010/main">
+                <a:solidFill>
+                  <a:srgbClr val="FFFFFF"/>
+                </a:solidFill>
+              </a14:hiddenFill>
+            </a:ext>
+          </a:extLst>
+        </p:spPr>
+      </p:pic>
+      <p:sp>
+        <p:nvSpPr>
+          <p:cNvPr id="4" name="Rectangle 3"/>
+          <p:cNvSpPr/>
+          <p:nvPr/>
+        </p:nvSpPr>
+        <p:spPr>
+          <a:xfrm>
+            <a:off x="1455361" y="4447309"/>
+            <a:ext cx="10220485" cy="748145"/>
+          </a:xfrm>
+          <a:prstGeom prst="rect">
+            <a:avLst/>
+          </a:prstGeom>
+          <a:noFill/>
+          <a:ln>
+            <a:solidFill>
+              <a:srgbClr val="FF0000"/>
+            </a:solidFill>
+          </a:ln>
+        </p:spPr>
+        <p:style>
+          <a:lnRef idx="2">
+            <a:schemeClr val="accent1">
+              <a:shade val="50000"/>
+            </a:schemeClr>
+          </a:lnRef>
+          <a:fillRef idx="1">
+            <a:schemeClr val="accent1"/>
+          </a:fillRef>
+          <a:effectRef idx="0">
+            <a:schemeClr val="accent1"/>
+          </a:effectRef>
+          <a:fontRef idx="minor">
+            <a:schemeClr val="lt1"/>
+          </a:fontRef>
+        </p:style>
+        <p:txBody>
+          <a:bodyPr rtlCol="0" anchor="ctr"/>
+          <a:lstStyle/>
+          <a:p>
+            <a:pPr algn="ctr"/>
+            <a:endParaRPr lang="en-US"/>
+          </a:p>
+        </p:txBody>
+      </p:sp>
+    </p:spTree>
+    <p:extLst>
+      <p:ext uri="{BB962C8B-B14F-4D97-AF65-F5344CB8AC3E}">
+        <p14:creationId xmlns:p14="http://schemas.microsoft.com/office/powerpoint/2010/main" val="3292499880"/>
+      </p:ext>
+    </p:extLst>
+  </p:cSld>
+  <p:clrMapOvr>
+    <a:masterClrMapping/>
+  </p:clrMapOvr>
+  <p:timing>
+    <p:tnLst>
+      <p:par>
+        <p:cTn id="1" dur="indefinite" restart="never" nodeType="tmRoot"/>
+      </p:par>
+    </p:tnLst>
+  </p:timing>
+</p:sld>
+</file>
+
+<file path=ppt/slides/slide5.xml><?xml version="1.0" encoding="utf-8"?>
+<p:sld xmlns:a="http://schemas.openxmlformats.org/drawingml/2006/main" xmlns:r="http://schemas.openxmlformats.org/officeDocument/2006/relationships" xmlns:p="http://schemas.openxmlformats.org/presentationml/2006/main">
+  <p:cSld>
+    <p:spTree>
+      <p:nvGrpSpPr>
+        <p:cNvPr id="1" name=""/>
+        <p:cNvGrpSpPr/>
+        <p:nvPr/>
+      </p:nvGrpSpPr>
+      <p:grpSpPr>
+        <a:xfrm>
+          <a:off x="0" y="0"/>
+          <a:ext cx="0" cy="0"/>
+          <a:chOff x="0" y="0"/>
+          <a:chExt cx="0" cy="0"/>
+        </a:xfrm>
+      </p:grpSpPr>
+      <p:sp>
+        <p:nvSpPr>
+          <p:cNvPr id="2" name="Title 1"/>
+          <p:cNvSpPr>
+            <a:spLocks noGrp="1"/>
+          </p:cNvSpPr>
+          <p:nvPr>
+            <p:ph type="title"/>
+          </p:nvPr>
+        </p:nvSpPr>
+        <p:spPr/>
+        <p:txBody>
+          <a:bodyPr>
+            <a:normAutofit fontScale="90000"/>
+          </a:bodyPr>
+          <a:lstStyle/>
+          <a:p>
+            <a:r>
+              <a:rPr lang="en-US" smtClean="0"/>
+              <a:t>Các bước cài đặt một Interceptor</a:t>
+            </a:r>
+            <a:endParaRPr lang="en-US"/>
+          </a:p>
+        </p:txBody>
+      </p:sp>
+      <p:sp>
+        <p:nvSpPr>
+          <p:cNvPr id="3" name="Content Placeholder 2"/>
+          <p:cNvSpPr>
+            <a:spLocks noGrp="1"/>
+          </p:cNvSpPr>
+          <p:nvPr>
+            <p:ph idx="1"/>
+          </p:nvPr>
+        </p:nvSpPr>
+        <p:spPr/>
+        <p:txBody>
+          <a:bodyPr/>
+          <a:lstStyle/>
+          <a:p>
+            <a:endParaRPr lang="en-US"/>
+          </a:p>
+        </p:txBody>
+      </p:sp>
+      <p:pic>
+        <p:nvPicPr>
+          <p:cNvPr id="4" name="Picture 3"/>
+          <p:cNvPicPr>
+            <a:picLocks noChangeAspect="1"/>
+          </p:cNvPicPr>
+          <p:nvPr/>
+        </p:nvPicPr>
+        <p:blipFill>
+          <a:blip r:embed="rId2"/>
+          <a:stretch>
+            <a:fillRect/>
+          </a:stretch>
+        </p:blipFill>
+        <p:spPr>
+          <a:xfrm>
+            <a:off x="2611808" y="2052116"/>
+            <a:ext cx="8286750" cy="4362450"/>
+          </a:xfrm>
+          <a:prstGeom prst="rect">
+            <a:avLst/>
+          </a:prstGeom>
+        </p:spPr>
+      </p:pic>
+    </p:spTree>
+    <p:extLst>
+      <p:ext uri="{BB962C8B-B14F-4D97-AF65-F5344CB8AC3E}">
+        <p14:creationId xmlns:p14="http://schemas.microsoft.com/office/powerpoint/2010/main" val="410145416"/>
+      </p:ext>
+    </p:extLst>
+  </p:cSld>
+  <p:clrMapOvr>
+    <a:masterClrMapping/>
+  </p:clrMapOvr>
+  <p:timing>
+    <p:tnLst>
+      <p:par>
+        <p:cTn id="1" dur="indefinite" restart="never" nodeType="tmRoot"/>
+      </p:par>
+    </p:tnLst>
+  </p:timing>
+</p:sld>
+</file>
+
+<file path=ppt/slides/slide6.xml><?xml version="1.0" encoding="utf-8"?>
+<p:sld xmlns:a="http://schemas.openxmlformats.org/drawingml/2006/main" xmlns:r="http://schemas.openxmlformats.org/officeDocument/2006/relationships" xmlns:p="http://schemas.openxmlformats.org/presentationml/2006/main">
+  <p:cSld>
+    <p:spTree>
+      <p:nvGrpSpPr>
+        <p:cNvPr id="1" name=""/>
+        <p:cNvGrpSpPr/>
+        <p:nvPr/>
+      </p:nvGrpSpPr>
+      <p:grpSpPr>
+        <a:xfrm>
+          <a:off x="0" y="0"/>
+          <a:ext cx="0" cy="0"/>
+          <a:chOff x="0" y="0"/>
+          <a:chExt cx="0" cy="0"/>
+        </a:xfrm>
+      </p:grpSpPr>
+      <p:sp>
+        <p:nvSpPr>
+          <p:cNvPr id="2" name="Title 1"/>
+          <p:cNvSpPr>
+            <a:spLocks noGrp="1"/>
+          </p:cNvSpPr>
+          <p:nvPr>
+            <p:ph type="title"/>
+          </p:nvPr>
+        </p:nvSpPr>
+        <p:spPr/>
+        <p:txBody>
+          <a:bodyPr/>
+          <a:lstStyle/>
+          <a:p>
+            <a:r>
+              <a:rPr lang="en-US" smtClean="0"/>
+              <a:t>Xử lý bản tin HTTP Request</a:t>
+            </a:r>
+            <a:endParaRPr lang="en-US"/>
+          </a:p>
+        </p:txBody>
+      </p:sp>
+      <p:sp>
+        <p:nvSpPr>
+          <p:cNvPr id="3" name="Content Placeholder 2"/>
+          <p:cNvSpPr>
+            <a:spLocks noGrp="1"/>
+          </p:cNvSpPr>
+          <p:nvPr>
+            <p:ph idx="1"/>
+          </p:nvPr>
+        </p:nvSpPr>
+        <p:spPr/>
+        <p:txBody>
+          <a:bodyPr/>
+          <a:lstStyle/>
+          <a:p>
+            <a:endParaRPr lang="en-US"/>
+          </a:p>
+        </p:txBody>
+      </p:sp>
+      <p:pic>
+        <p:nvPicPr>
+          <p:cNvPr id="4" name="Picture 3"/>
+          <p:cNvPicPr>
+            <a:picLocks noChangeAspect="1"/>
+          </p:cNvPicPr>
+          <p:nvPr/>
+        </p:nvPicPr>
+        <p:blipFill>
+          <a:blip r:embed="rId2"/>
+          <a:stretch>
+            <a:fillRect/>
+          </a:stretch>
+        </p:blipFill>
+        <p:spPr>
+          <a:xfrm>
+            <a:off x="2773599" y="2052116"/>
+            <a:ext cx="7105650" cy="4248150"/>
+          </a:xfrm>
+          <a:prstGeom prst="rect">
+            <a:avLst/>
+          </a:prstGeom>
+        </p:spPr>
+      </p:pic>
+    </p:spTree>
+    <p:extLst>
+      <p:ext uri="{BB962C8B-B14F-4D97-AF65-F5344CB8AC3E}">
+        <p14:creationId xmlns:p14="http://schemas.microsoft.com/office/powerpoint/2010/main" val="3992541128"/>
+      </p:ext>
+    </p:extLst>
+  </p:cSld>
+  <p:clrMapOvr>
+    <a:masterClrMapping/>
+  </p:clrMapOvr>
+</p:sld>
+</file>
+
+<file path=ppt/slides/slide7.xml><?xml version="1.0" encoding="utf-8"?>
+<p:sld xmlns:a="http://schemas.openxmlformats.org/drawingml/2006/main" xmlns:r="http://schemas.openxmlformats.org/officeDocument/2006/relationships" xmlns:p="http://schemas.openxmlformats.org/presentationml/2006/main">
+  <p:cSld>
+    <p:spTree>
+      <p:nvGrpSpPr>
+        <p:cNvPr id="1" name=""/>
+        <p:cNvGrpSpPr/>
+        <p:nvPr/>
+      </p:nvGrpSpPr>
+      <p:grpSpPr>
+        <a:xfrm>
+          <a:off x="0" y="0"/>
+          <a:ext cx="0" cy="0"/>
+          <a:chOff x="0" y="0"/>
+          <a:chExt cx="0" cy="0"/>
+        </a:xfrm>
+      </p:grpSpPr>
+      <p:sp>
+        <p:nvSpPr>
+          <p:cNvPr id="2" name="Title 1"/>
+          <p:cNvSpPr>
+            <a:spLocks noGrp="1"/>
+          </p:cNvSpPr>
+          <p:nvPr>
+            <p:ph type="title"/>
+          </p:nvPr>
+        </p:nvSpPr>
+        <p:spPr>
+          <a:xfrm>
+            <a:off x="2692703" y="166831"/>
+            <a:ext cx="7958331" cy="1077229"/>
+          </a:xfrm>
+        </p:spPr>
+        <p:txBody>
+          <a:bodyPr>
+            <a:normAutofit/>
+          </a:bodyPr>
+          <a:lstStyle/>
+          <a:p>
+            <a:r>
+              <a:rPr lang="en-US" smtClean="0"/>
+              <a:t>Giả lập FakeBackend Intercept</a:t>
+            </a:r>
+            <a:endParaRPr lang="en-US"/>
+          </a:p>
+        </p:txBody>
+      </p:sp>
+      <p:sp>
+        <p:nvSpPr>
+          <p:cNvPr id="3" name="Content Placeholder 2"/>
+          <p:cNvSpPr>
+            <a:spLocks noGrp="1"/>
+          </p:cNvSpPr>
+          <p:nvPr>
+            <p:ph idx="1"/>
+          </p:nvPr>
+        </p:nvSpPr>
+        <p:spPr/>
+        <p:txBody>
+          <a:bodyPr/>
+          <a:lstStyle/>
+          <a:p>
+            <a:endParaRPr lang="en-US"/>
+          </a:p>
+        </p:txBody>
+      </p:sp>
+      <p:pic>
+        <p:nvPicPr>
+          <p:cNvPr id="4" name="Picture 3"/>
+          <p:cNvPicPr>
+            <a:picLocks noChangeAspect="1"/>
+          </p:cNvPicPr>
+          <p:nvPr/>
+        </p:nvPicPr>
+        <p:blipFill>
+          <a:blip r:embed="rId2"/>
+          <a:stretch>
+            <a:fillRect/>
+          </a:stretch>
+        </p:blipFill>
+        <p:spPr>
+          <a:xfrm>
+            <a:off x="2402464" y="1047750"/>
+            <a:ext cx="7858125" cy="5810250"/>
+          </a:xfrm>
+          <a:prstGeom prst="rect">
+            <a:avLst/>
+          </a:prstGeom>
+        </p:spPr>
+      </p:pic>
+    </p:spTree>
+    <p:extLst>
+      <p:ext uri="{BB962C8B-B14F-4D97-AF65-F5344CB8AC3E}">
+        <p14:creationId xmlns:p14="http://schemas.microsoft.com/office/powerpoint/2010/main" val="2730715188"/>
+      </p:ext>
+    </p:extLst>
+  </p:cSld>
+  <p:clrMapOvr>
+    <a:masterClrMapping/>
+  </p:clrMapOvr>
+</p:sld>
+</file>
+
+<file path=ppt/slides/slide8.xml><?xml version="1.0" encoding="utf-8"?>
+<p:sld xmlns:a="http://schemas.openxmlformats.org/drawingml/2006/main" xmlns:r="http://schemas.openxmlformats.org/officeDocument/2006/relationships" xmlns:p="http://schemas.openxmlformats.org/presentationml/2006/main">
+  <p:cSld>
+    <p:spTree>
+      <p:nvGrpSpPr>
+        <p:cNvPr id="1" name=""/>
+        <p:cNvGrpSpPr/>
+        <p:nvPr/>
+      </p:nvGrpSpPr>
+      <p:grpSpPr>
+        <a:xfrm>
+          <a:off x="0" y="0"/>
+          <a:ext cx="0" cy="0"/>
+          <a:chOff x="0" y="0"/>
+          <a:chExt cx="0" cy="0"/>
+        </a:xfrm>
+      </p:grpSpPr>
+      <p:sp>
+        <p:nvSpPr>
+          <p:cNvPr id="2" name="Title 1"/>
+          <p:cNvSpPr>
+            <a:spLocks noGrp="1"/>
+          </p:cNvSpPr>
+          <p:nvPr>
+            <p:ph type="title"/>
+          </p:nvPr>
+        </p:nvSpPr>
+        <p:spPr/>
+        <p:txBody>
+          <a:bodyPr/>
+          <a:lstStyle/>
+          <a:p>
+            <a:r>
+              <a:rPr lang="en-US" smtClean="0"/>
+              <a:t>Các bước thực hiện</a:t>
+            </a:r>
+            <a:endParaRPr lang="en-US"/>
+          </a:p>
+        </p:txBody>
+      </p:sp>
+      <p:sp>
+        <p:nvSpPr>
+          <p:cNvPr id="3" name="Content Placeholder 2"/>
+          <p:cNvSpPr>
+            <a:spLocks noGrp="1"/>
+          </p:cNvSpPr>
+          <p:nvPr>
+            <p:ph idx="1"/>
+          </p:nvPr>
+        </p:nvSpPr>
+        <p:spPr>
+          <a:xfrm>
+            <a:off x="1870363" y="2052116"/>
+            <a:ext cx="8699775" cy="3997828"/>
+          </a:xfrm>
+        </p:spPr>
+        <p:txBody>
+          <a:bodyPr/>
+          <a:lstStyle/>
+          <a:p>
+            <a:pPr marL="514350" indent="-514350">
+              <a:buFont typeface="+mj-lt"/>
+              <a:buAutoNum type="arabicPeriod"/>
+            </a:pPr>
+            <a:r>
+              <a:rPr lang="en-US"/>
+              <a:t>Tạo các intercept kế thừa </a:t>
+            </a:r>
+            <a:r>
+              <a:rPr lang="en-US"/>
+              <a:t>interface </a:t>
+            </a:r>
+            <a:r>
+              <a:rPr lang="en-US" smtClean="0"/>
+              <a:t>HttpInterceptor</a:t>
+            </a:r>
+          </a:p>
+          <a:p>
+            <a:pPr marL="514350" indent="-514350">
+              <a:buFont typeface="+mj-lt"/>
+              <a:buAutoNum type="arabicPeriod"/>
+            </a:pPr>
+            <a:r>
+              <a:rPr lang="en-US" smtClean="0"/>
+              <a:t>Sử dụng kèm với các Observable, of, throwError, ..</a:t>
+            </a:r>
+          </a:p>
+          <a:p>
+            <a:pPr marL="514350" indent="-514350">
+              <a:buFont typeface="+mj-lt"/>
+              <a:buAutoNum type="arabicPeriod"/>
+            </a:pPr>
+            <a:r>
+              <a:rPr lang="en-US" smtClean="0"/>
+              <a:t>Khai báo sử dụng interceptor như một Provider</a:t>
+            </a:r>
+          </a:p>
+          <a:p>
+            <a:pPr marL="514350" indent="-514350">
+              <a:buFont typeface="+mj-lt"/>
+              <a:buAutoNum type="arabicPeriod"/>
+            </a:pPr>
+            <a:endParaRPr lang="en-US"/>
+          </a:p>
+          <a:p>
+            <a:pPr marL="514350" indent="-514350">
+              <a:buFont typeface="+mj-lt"/>
+              <a:buAutoNum type="arabicPeriod"/>
+            </a:pPr>
+            <a:endParaRPr lang="en-US" smtClean="0"/>
+          </a:p>
+          <a:p>
+            <a:pPr marL="514350" indent="-514350">
+              <a:buFont typeface="+mj-lt"/>
+              <a:buAutoNum type="arabicPeriod"/>
+            </a:pPr>
+            <a:endParaRPr lang="en-US"/>
+          </a:p>
+        </p:txBody>
+      </p:sp>
+      <p:pic>
+        <p:nvPicPr>
+          <p:cNvPr id="4" name="Picture 3"/>
+          <p:cNvPicPr>
+            <a:picLocks noChangeAspect="1"/>
+          </p:cNvPicPr>
+          <p:nvPr/>
+        </p:nvPicPr>
+        <p:blipFill>
+          <a:blip r:embed="rId2"/>
+          <a:stretch>
+            <a:fillRect/>
+          </a:stretch>
+        </p:blipFill>
+        <p:spPr>
+          <a:xfrm>
+            <a:off x="1490662" y="4277014"/>
+            <a:ext cx="7096125" cy="1485900"/>
+          </a:xfrm>
+          <a:prstGeom prst="rect">
+            <a:avLst/>
+          </a:prstGeom>
+        </p:spPr>
+      </p:pic>
+      <p:pic>
+        <p:nvPicPr>
+          <p:cNvPr id="5" name="Picture 4"/>
+          <p:cNvPicPr>
+            <a:picLocks noChangeAspect="1"/>
+          </p:cNvPicPr>
+          <p:nvPr/>
+        </p:nvPicPr>
+        <p:blipFill>
+          <a:blip r:embed="rId3"/>
+          <a:stretch>
+            <a:fillRect/>
+          </a:stretch>
+        </p:blipFill>
+        <p:spPr>
+          <a:xfrm>
+            <a:off x="4733925" y="4443845"/>
+            <a:ext cx="7153275" cy="2209800"/>
+          </a:xfrm>
+          <a:prstGeom prst="rect">
+            <a:avLst/>
+          </a:prstGeom>
+          <a:ln>
+            <a:solidFill>
+              <a:srgbClr val="FF0000"/>
+            </a:solidFill>
+          </a:ln>
+        </p:spPr>
+      </p:pic>
+    </p:spTree>
+    <p:extLst>
+      <p:ext uri="{BB962C8B-B14F-4D97-AF65-F5344CB8AC3E}">
+        <p14:creationId xmlns:p14="http://schemas.microsoft.com/office/powerpoint/2010/main" val="1662602479"/>
+      </p:ext>
+    </p:extLst>
+  </p:cSld>
+  <p:clrMapOvr>
+    <a:masterClrMapping/>
+  </p:clrMapOvr>
+  <p:timing>
+    <p:tnLst>
+      <p:par>
+        <p:cTn id="1" dur="indefinite" restart="never" nodeType="tmRoot">
+          <p:childTnLst>
+            <p:seq concurrent="1" nextAc="seek">
+              <p:cTn id="2" dur="indefinite" nodeType="mainSeq">
+                <p:childTnLst>
+                  <p:par>
+                    <p:cTn id="3" fill="hold">
+                      <p:stCondLst>
+                        <p:cond delay="indefinite"/>
+                      </p:stCondLst>
+                      <p:childTnLst>
+                        <p:par>
+                          <p:cTn id="4" fill="hold">
+                            <p:stCondLst>
+                              <p:cond delay="0"/>
+                            </p:stCondLst>
+                            <p:childTnLst>
+                              <p:par>
+                                <p:cTn id="5" presetID="10" presetClass="entr" presetSubtype="0" fill="hold" nodeType="clickEffect">
+                                  <p:stCondLst>
+                                    <p:cond delay="0"/>
+                                  </p:stCondLst>
+                                  <p:childTnLst>
+                                    <p:set>
+                                      <p:cBhvr>
+                                        <p:cTn id="6" dur="1" fill="hold">
+                                          <p:stCondLst>
+                                            <p:cond delay="0"/>
+                                          </p:stCondLst>
+                                        </p:cTn>
+                                        <p:tgtEl>
+                                          <p:spTgt spid="4"/>
+                                        </p:tgtEl>
+                                        <p:attrNameLst>
+                                          <p:attrName>style.visibility</p:attrName>
+                                        </p:attrNameLst>
+                                      </p:cBhvr>
+                                      <p:to>
+                                        <p:strVal val="visible"/>
+                                      </p:to>
+                                    </p:set>
+                                    <p:animEffect transition="in" filter="fade">
+                                      <p:cBhvr>
+                                        <p:cTn id="7" dur="500"/>
+                                        <p:tgtEl>
+                                          <p:spTgt spid="4"/>
+                                        </p:tgtEl>
+                                      </p:cBhvr>
+                                    </p:animEffect>
+                                  </p:childTnLst>
+                                </p:cTn>
+                              </p:par>
+                            </p:childTnLst>
+                          </p:cTn>
+                        </p:par>
+                      </p:childTnLst>
+                    </p:cTn>
+                  </p:par>
+                  <p:par>
+                    <p:cTn id="8" fill="hold">
+                      <p:stCondLst>
+                        <p:cond delay="indefinite"/>
+                      </p:stCondLst>
+                      <p:childTnLst>
+                        <p:par>
+                          <p:cTn id="9" fill="hold">
+                            <p:stCondLst>
+                              <p:cond delay="0"/>
+                            </p:stCondLst>
+                            <p:childTnLst>
+                              <p:par>
+                                <p:cTn id="10" presetID="10" presetClass="entr" presetSubtype="0" fill="hold" nodeType="clickEffect">
+                                  <p:stCondLst>
+                                    <p:cond delay="0"/>
+                                  </p:stCondLst>
+                                  <p:childTnLst>
+                                    <p:set>
+                                      <p:cBhvr>
+                                        <p:cTn id="11" dur="1" fill="hold">
+                                          <p:stCondLst>
+                                            <p:cond delay="0"/>
+                                          </p:stCondLst>
+                                        </p:cTn>
+                                        <p:tgtEl>
+                                          <p:spTgt spid="5"/>
+                                        </p:tgtEl>
+                                        <p:attrNameLst>
+                                          <p:attrName>style.visibility</p:attrName>
+                                        </p:attrNameLst>
+                                      </p:cBhvr>
+                                      <p:to>
+                                        <p:strVal val="visible"/>
+                                      </p:to>
+                                    </p:set>
+                                    <p:animEffect transition="in" filter="fade">
+                                      <p:cBhvr>
+                                        <p:cTn id="12" dur="500"/>
+                                        <p:tgtEl>
+                                          <p:spTgt spid="5"/>
+                                        </p:tgtEl>
+                                      </p:cBhvr>
+                                    </p:animEffect>
+                                  </p:childTnLst>
+                                </p:cTn>
+                              </p:par>
+                            </p:childTnLst>
+                          </p:cTn>
+                        </p:par>
+                      </p:childTnLst>
+                    </p:cTn>
+                  </p:par>
+                </p:childTnLst>
+              </p:cTn>
+              <p:prevCondLst>
+                <p:cond evt="onPrev" delay="0">
+                  <p:tgtEl>
+                    <p:sldTgt/>
+                  </p:tgtEl>
+                </p:cond>
+              </p:prevCondLst>
+              <p:nextCondLst>
+                <p:cond evt="onNext" delay="0">
+                  <p:tgtEl>
+                    <p:sldTgt/>
+                  </p:tgtEl>
+                </p:cond>
+              </p:nextCondLst>
+            </p:seq>
+          </p:childTnLst>
+        </p:cTn>
+      </p:par>
+    </p:tnLst>
+  </p:timing>
+</p:sld>
+</file>
+
+<file path=ppt/slides/slide9.xml><?xml version="1.0" encoding="utf-8"?>
+<p:sld xmlns:a="http://schemas.openxmlformats.org/drawingml/2006/main" xmlns:r="http://schemas.openxmlformats.org/officeDocument/2006/relationships" xmlns:p="http://schemas.openxmlformats.org/presentationml/2006/main">
+  <p:cSld>
+    <p:spTree>
+      <p:nvGrpSpPr>
+        <p:cNvPr id="1" name=""/>
+        <p:cNvGrpSpPr/>
+        <p:nvPr/>
+      </p:nvGrpSpPr>
+      <p:grpSpPr>
+        <a:xfrm>
+          <a:off x="0" y="0"/>
+          <a:ext cx="0" cy="0"/>
+          <a:chOff x="0" y="0"/>
+          <a:chExt cx="0" cy="0"/>
+        </a:xfrm>
+      </p:grpSpPr>
+      <p:sp>
+        <p:nvSpPr>
+          <p:cNvPr id="2" name="Title 1"/>
+          <p:cNvSpPr>
+            <a:spLocks noGrp="1"/>
+          </p:cNvSpPr>
+          <p:nvPr>
+            <p:ph type="title"/>
+          </p:nvPr>
+        </p:nvSpPr>
+        <p:spPr/>
+        <p:txBody>
+          <a:bodyPr/>
+          <a:lstStyle/>
+          <a:p>
+            <a:r>
+              <a:rPr lang="en-US" smtClean="0"/>
               <a:t>References</a:t>
             </a:r>
             <a:endParaRPr lang="en-US"/>
@@ -5297,15 +6222,7 @@
                   <a:srgbClr val="FFFF00"/>
                 </a:solidFill>
               </a:rPr>
-              <a:t>https</a:t>
-            </a:r>
-            <a:r>
-              <a:rPr lang="en-US">
-                <a:solidFill>
-                  <a:srgbClr val="FFFF00"/>
-                </a:solidFill>
-              </a:rPr>
-              <a:t>://</a:t>
+              <a:t>https://</a:t>
             </a:r>
             <a:r>
               <a:rPr lang="en-US" smtClean="0">
@@ -5389,15 +6306,7 @@
                   <a:srgbClr val="FFFF00"/>
                 </a:solidFill>
               </a:rPr>
-              <a:t>://scotch.io</a:t>
-            </a:r>
-            <a:r>
-              <a:rPr lang="en-US">
-                <a:solidFill>
-                  <a:srgbClr val="FFFF00"/>
-                </a:solidFill>
-              </a:rPr>
-              <a:t>/@</a:t>
+              <a:t>://scotch.io/@</a:t>
             </a:r>
             <a:r>
               <a:rPr lang="en-US" smtClean="0">
@@ -5407,11 +6316,6 @@
               </a:rPr>
               <a:t>vigneshsithirai/angular-6-7-http-client-interceptor-with-error-handling/</a:t>
             </a:r>
-            <a:endParaRPr lang="en-US" smtClean="0">
-              <a:solidFill>
-                <a:srgbClr val="FFFF00"/>
-              </a:solidFill>
-            </a:endParaRPr>
           </a:p>
           <a:p>
             <a:pPr marL="713740" indent="-571500">
